--- a/FPGA Final Project.pptx
+++ b/FPGA Final Project.pptx
@@ -362,7 +362,7 @@
           <a:p>
             <a:fld id="{4160F4B8-022C-413A-94B0-132BCE2BD41F}" type="datetimeFigureOut">
               <a:rPr lang="zh-TW" altLang="en-US" smtClean="0"/>
-              <a:t>2019/1/8</a:t>
+              <a:t>2019/1/14</a:t>
             </a:fld>
             <a:endParaRPr lang="zh-TW" altLang="en-US"/>
           </a:p>
@@ -532,7 +532,7 @@
           <a:p>
             <a:fld id="{4160F4B8-022C-413A-94B0-132BCE2BD41F}" type="datetimeFigureOut">
               <a:rPr lang="zh-TW" altLang="en-US" smtClean="0"/>
-              <a:t>2019/1/8</a:t>
+              <a:t>2019/1/14</a:t>
             </a:fld>
             <a:endParaRPr lang="zh-TW" altLang="en-US"/>
           </a:p>
@@ -712,7 +712,7 @@
           <a:p>
             <a:fld id="{4160F4B8-022C-413A-94B0-132BCE2BD41F}" type="datetimeFigureOut">
               <a:rPr lang="zh-TW" altLang="en-US" smtClean="0"/>
-              <a:t>2019/1/8</a:t>
+              <a:t>2019/1/14</a:t>
             </a:fld>
             <a:endParaRPr lang="zh-TW" altLang="en-US"/>
           </a:p>
@@ -882,7 +882,7 @@
           <a:p>
             <a:fld id="{4160F4B8-022C-413A-94B0-132BCE2BD41F}" type="datetimeFigureOut">
               <a:rPr lang="zh-TW" altLang="en-US" smtClean="0"/>
-              <a:t>2019/1/8</a:t>
+              <a:t>2019/1/14</a:t>
             </a:fld>
             <a:endParaRPr lang="zh-TW" altLang="en-US"/>
           </a:p>
@@ -1140,7 +1140,7 @@
           <a:p>
             <a:fld id="{4160F4B8-022C-413A-94B0-132BCE2BD41F}" type="datetimeFigureOut">
               <a:rPr lang="zh-TW" altLang="en-US" smtClean="0"/>
-              <a:t>2019/1/8</a:t>
+              <a:t>2019/1/14</a:t>
             </a:fld>
             <a:endParaRPr lang="zh-TW" altLang="en-US"/>
           </a:p>
@@ -1428,7 +1428,7 @@
           <a:p>
             <a:fld id="{4160F4B8-022C-413A-94B0-132BCE2BD41F}" type="datetimeFigureOut">
               <a:rPr lang="zh-TW" altLang="en-US" smtClean="0"/>
-              <a:t>2019/1/8</a:t>
+              <a:t>2019/1/14</a:t>
             </a:fld>
             <a:endParaRPr lang="zh-TW" altLang="en-US"/>
           </a:p>
@@ -1870,7 +1870,7 @@
           <a:p>
             <a:fld id="{4160F4B8-022C-413A-94B0-132BCE2BD41F}" type="datetimeFigureOut">
               <a:rPr lang="zh-TW" altLang="en-US" smtClean="0"/>
-              <a:t>2019/1/8</a:t>
+              <a:t>2019/1/14</a:t>
             </a:fld>
             <a:endParaRPr lang="zh-TW" altLang="en-US"/>
           </a:p>
@@ -1988,7 +1988,7 @@
           <a:p>
             <a:fld id="{4160F4B8-022C-413A-94B0-132BCE2BD41F}" type="datetimeFigureOut">
               <a:rPr lang="zh-TW" altLang="en-US" smtClean="0"/>
-              <a:t>2019/1/8</a:t>
+              <a:t>2019/1/14</a:t>
             </a:fld>
             <a:endParaRPr lang="zh-TW" altLang="en-US"/>
           </a:p>
@@ -2083,7 +2083,7 @@
           <a:p>
             <a:fld id="{4160F4B8-022C-413A-94B0-132BCE2BD41F}" type="datetimeFigureOut">
               <a:rPr lang="zh-TW" altLang="en-US" smtClean="0"/>
-              <a:t>2019/1/8</a:t>
+              <a:t>2019/1/14</a:t>
             </a:fld>
             <a:endParaRPr lang="zh-TW" altLang="en-US"/>
           </a:p>
@@ -2371,7 +2371,7 @@
           <a:p>
             <a:fld id="{4160F4B8-022C-413A-94B0-132BCE2BD41F}" type="datetimeFigureOut">
               <a:rPr lang="zh-TW" altLang="en-US" smtClean="0"/>
-              <a:t>2019/1/8</a:t>
+              <a:t>2019/1/14</a:t>
             </a:fld>
             <a:endParaRPr lang="zh-TW" altLang="en-US"/>
           </a:p>
@@ -2644,7 +2644,7 @@
           <a:p>
             <a:fld id="{4160F4B8-022C-413A-94B0-132BCE2BD41F}" type="datetimeFigureOut">
               <a:rPr lang="zh-TW" altLang="en-US" smtClean="0"/>
-              <a:t>2019/1/8</a:t>
+              <a:t>2019/1/14</a:t>
             </a:fld>
             <a:endParaRPr lang="zh-TW" altLang="en-US"/>
           </a:p>
@@ -2941,7 +2941,7 @@
           <a:p>
             <a:fld id="{4160F4B8-022C-413A-94B0-132BCE2BD41F}" type="datetimeFigureOut">
               <a:rPr lang="zh-TW" altLang="en-US" smtClean="0"/>
-              <a:t>2019/1/8</a:t>
+              <a:t>2019/1/14</a:t>
             </a:fld>
             <a:endParaRPr lang="zh-TW" altLang="en-US"/>
           </a:p>
@@ -8141,7 +8141,7 @@
                 <a16:creationId xmlns:a16="http://schemas.microsoft.com/office/drawing/2014/main" id="{64C9EE1D-12BB-43F7-9A2A-893578DCA63A}"/>
               </a:ext>
               <a:ext uri="{C183D7F6-B498-43B3-948B-1728B52AA6E4}">
-                <adec:decorative xmlns:adec="http://schemas.microsoft.com/office/drawing/2017/decorative" val="1"/>
+                <adec:decorative xmlns:adec="http://schemas.microsoft.com/office/drawing/2017/decorative" xmlns="" val="1"/>
               </a:ext>
             </a:extLst>
           </p:cNvPr>
@@ -8196,7 +8196,7 @@
                 <a16:creationId xmlns:a16="http://schemas.microsoft.com/office/drawing/2014/main" id="{43962A31-C54E-4762-B155-59777FED1C75}"/>
               </a:ext>
               <a:ext uri="{C183D7F6-B498-43B3-948B-1728B52AA6E4}">
-                <adec:decorative xmlns:adec="http://schemas.microsoft.com/office/drawing/2017/decorative" val="1"/>
+                <adec:decorative xmlns:adec="http://schemas.microsoft.com/office/drawing/2017/decorative" xmlns="" val="1"/>
               </a:ext>
             </a:extLst>
           </p:cNvPr>
@@ -8253,7 +8253,7 @@
                 <a16:creationId xmlns:a16="http://schemas.microsoft.com/office/drawing/2014/main" id="{4B392D36-B685-45E0-B197-6EE5D748093B}"/>
               </a:ext>
               <a:ext uri="{C183D7F6-B498-43B3-948B-1728B52AA6E4}">
-                <adec:decorative xmlns:adec="http://schemas.microsoft.com/office/drawing/2017/decorative" val="1"/>
+                <adec:decorative xmlns:adec="http://schemas.microsoft.com/office/drawing/2017/decorative" xmlns="" val="1"/>
               </a:ext>
             </a:extLst>
           </p:cNvPr>
@@ -8313,7 +8313,7 @@
                 <a16:creationId xmlns:a16="http://schemas.microsoft.com/office/drawing/2014/main" id="{9DCA8533-CC5E-4754-9A04-047EDE49E0F9}"/>
               </a:ext>
               <a:ext uri="{C183D7F6-B498-43B3-948B-1728B52AA6E4}">
-                <adec:decorative xmlns:adec="http://schemas.microsoft.com/office/drawing/2017/decorative" val="1"/>
+                <adec:decorative xmlns:adec="http://schemas.microsoft.com/office/drawing/2017/decorative" xmlns="" val="1"/>
               </a:ext>
             </a:extLst>
           </p:cNvPr>
@@ -8495,7 +8495,7 @@
                 <a16:creationId xmlns:a16="http://schemas.microsoft.com/office/drawing/2014/main" id="{64C9EE1D-12BB-43F7-9A2A-893578DCA63A}"/>
               </a:ext>
               <a:ext uri="{C183D7F6-B498-43B3-948B-1728B52AA6E4}">
-                <adec:decorative xmlns:adec="http://schemas.microsoft.com/office/drawing/2017/decorative" val="1"/>
+                <adec:decorative xmlns:adec="http://schemas.microsoft.com/office/drawing/2017/decorative" xmlns="" val="1"/>
               </a:ext>
             </a:extLst>
           </p:cNvPr>
@@ -8550,7 +8550,7 @@
                 <a16:creationId xmlns:a16="http://schemas.microsoft.com/office/drawing/2014/main" id="{43962A31-C54E-4762-B155-59777FED1C75}"/>
               </a:ext>
               <a:ext uri="{C183D7F6-B498-43B3-948B-1728B52AA6E4}">
-                <adec:decorative xmlns:adec="http://schemas.microsoft.com/office/drawing/2017/decorative" val="1"/>
+                <adec:decorative xmlns:adec="http://schemas.microsoft.com/office/drawing/2017/decorative" xmlns="" val="1"/>
               </a:ext>
             </a:extLst>
           </p:cNvPr>
@@ -8607,7 +8607,7 @@
                 <a16:creationId xmlns:a16="http://schemas.microsoft.com/office/drawing/2014/main" id="{4B392D36-B685-45E0-B197-6EE5D748093B}"/>
               </a:ext>
               <a:ext uri="{C183D7F6-B498-43B3-948B-1728B52AA6E4}">
-                <adec:decorative xmlns:adec="http://schemas.microsoft.com/office/drawing/2017/decorative" val="1"/>
+                <adec:decorative xmlns:adec="http://schemas.microsoft.com/office/drawing/2017/decorative" xmlns="" val="1"/>
               </a:ext>
             </a:extLst>
           </p:cNvPr>
@@ -8667,7 +8667,7 @@
                 <a16:creationId xmlns:a16="http://schemas.microsoft.com/office/drawing/2014/main" id="{9DCA8533-CC5E-4754-9A04-047EDE49E0F9}"/>
               </a:ext>
               <a:ext uri="{C183D7F6-B498-43B3-948B-1728B52AA6E4}">
-                <adec:decorative xmlns:adec="http://schemas.microsoft.com/office/drawing/2017/decorative" val="1"/>
+                <adec:decorative xmlns:adec="http://schemas.microsoft.com/office/drawing/2017/decorative" xmlns="" val="1"/>
               </a:ext>
             </a:extLst>
           </p:cNvPr>
